--- a/slides/geog4300_f18_L14-1 Regression.pptx
+++ b/slides/geog4300_f18_L14-1 Regression.pptx
@@ -31847,7 +31847,7 @@
         <p:spPr>
           <a:xfrm>
             <a:off x="219305" y="850294"/>
-            <a:ext cx="5641168" cy="6001643"/>
+            <a:ext cx="8845754" cy="3108543"/>
           </a:xfrm>
           <a:prstGeom prst="rect">
             <a:avLst/>
@@ -31865,7 +31865,7 @@
               <a:buChar char="•"/>
             </a:pPr>
             <a:r>
-              <a:rPr lang="en-US" sz="3200" dirty="0" smtClean="0">
+              <a:rPr lang="en-US" sz="2800" dirty="0" smtClean="0">
                 <a:solidFill>
                   <a:srgbClr val="FFFF66"/>
                 </a:solidFill>
@@ -31874,7 +31874,7 @@
               <a:t>Look </a:t>
             </a:r>
             <a:r>
-              <a:rPr lang="en-US" sz="3200" dirty="0">
+              <a:rPr lang="en-US" sz="2800" dirty="0">
                 <a:solidFill>
                   <a:srgbClr val="FFFF66"/>
                 </a:solidFill>
@@ -31889,7 +31889,7 @@
               <a:buChar char="•"/>
             </a:pPr>
             <a:r>
-              <a:rPr lang="en-US" sz="3200" dirty="0" smtClean="0">
+              <a:rPr lang="en-US" sz="2800" dirty="0" smtClean="0">
                 <a:solidFill>
                   <a:srgbClr val="FFFF66"/>
                 </a:solidFill>
@@ -31904,25 +31904,16 @@
               <a:buChar char="•"/>
             </a:pPr>
             <a:r>
-              <a:rPr lang="en-US" sz="3200" dirty="0" smtClean="0">
+              <a:rPr lang="en-US" sz="2800" dirty="0" smtClean="0">
                 <a:solidFill>
                   <a:srgbClr val="FFFF66"/>
                 </a:solidFill>
                 <a:latin typeface="Gill Sans MT" panose="020B0502020104020203" pitchFamily="34" charset="0"/>
               </a:rPr>
-              <a:t>Remove outliers if they appear </a:t>
+              <a:t>Remove outliers if they appear incorrect or </a:t>
             </a:r>
             <a:r>
-              <a:rPr lang="en-US" sz="3200" dirty="0" smtClean="0">
-                <a:solidFill>
-                  <a:srgbClr val="FFFF66"/>
-                </a:solidFill>
-                <a:latin typeface="Gill Sans MT" panose="020B0502020104020203" pitchFamily="34" charset="0"/>
-              </a:rPr>
-              <a:t>incorrect or </a:t>
-            </a:r>
-            <a:r>
-              <a:rPr lang="en-US" sz="3200" dirty="0" err="1" smtClean="0">
+              <a:rPr lang="en-US" sz="2800" dirty="0" err="1" smtClean="0">
                 <a:solidFill>
                   <a:srgbClr val="FFFF66"/>
                 </a:solidFill>
@@ -31931,7 +31922,7 @@
               <a:t>topcode</a:t>
             </a:r>
             <a:r>
-              <a:rPr lang="en-US" sz="3200" dirty="0" smtClean="0">
+              <a:rPr lang="en-US" sz="2800" dirty="0" smtClean="0">
                 <a:solidFill>
                   <a:srgbClr val="FFFF66"/>
                 </a:solidFill>
@@ -31939,7 +31930,52 @@
               </a:rPr>
               <a:t> them.</a:t>
             </a:r>
-            <a:endParaRPr lang="en-US" sz="3200" dirty="0" smtClean="0">
+          </a:p>
+          <a:p>
+            <a:pPr marL="571500" indent="-571500">
+              <a:buFont typeface="Arial" panose="020B0604020202020204" pitchFamily="34" charset="0"/>
+              <a:buChar char="•"/>
+            </a:pPr>
+            <a:r>
+              <a:rPr lang="en-US" sz="2800" dirty="0" smtClean="0">
+                <a:solidFill>
+                  <a:srgbClr val="FFFF66"/>
+                </a:solidFill>
+                <a:latin typeface="Gill Sans MT" panose="020B0502020104020203" pitchFamily="34" charset="0"/>
+              </a:rPr>
+              <a:t>For heteroskedastic models, see </a:t>
+            </a:r>
+            <a:r>
+              <a:rPr lang="en-US" sz="2800" dirty="0" smtClean="0">
+                <a:solidFill>
+                  <a:srgbClr val="FFFF66"/>
+                </a:solidFill>
+                <a:latin typeface="Gill Sans MT" panose="020B0502020104020203" pitchFamily="34" charset="0"/>
+                <a:hlinkClick r:id="rId3"/>
+              </a:rPr>
+              <a:t>https</a:t>
+            </a:r>
+            <a:r>
+              <a:rPr lang="en-US" sz="2800" dirty="0">
+                <a:solidFill>
+                  <a:srgbClr val="FFFF66"/>
+                </a:solidFill>
+                <a:latin typeface="Gill Sans MT" panose="020B0502020104020203" pitchFamily="34" charset="0"/>
+                <a:hlinkClick r:id="rId3"/>
+              </a:rPr>
+              <a:t>://www3.nd.edu/~</a:t>
+            </a:r>
+            <a:r>
+              <a:rPr lang="en-US" sz="2800" dirty="0" smtClean="0">
+                <a:solidFill>
+                  <a:srgbClr val="FFFF66"/>
+                </a:solidFill>
+                <a:latin typeface="Gill Sans MT" panose="020B0502020104020203" pitchFamily="34" charset="0"/>
+                <a:hlinkClick r:id="rId3"/>
+              </a:rPr>
+              <a:t>rwilliam/stats2/l25.pdf</a:t>
+            </a:r>
+            <a:endParaRPr lang="en-US" sz="2800" dirty="0">
               <a:solidFill>
                 <a:srgbClr val="FFFF66"/>
               </a:solidFill>
@@ -31947,58 +31983,7 @@
             </a:endParaRPr>
           </a:p>
           <a:p>
-            <a:pPr marL="571500" indent="-571500">
-              <a:buFont typeface="Arial" panose="020B0604020202020204" pitchFamily="34" charset="0"/>
-              <a:buChar char="•"/>
-            </a:pPr>
-            <a:r>
-              <a:rPr lang="en-US" sz="3200" dirty="0" smtClean="0">
-                <a:solidFill>
-                  <a:srgbClr val="FFFF66"/>
-                </a:solidFill>
-                <a:latin typeface="Gill Sans MT" panose="020B0502020104020203" pitchFamily="34" charset="0"/>
-              </a:rPr>
-              <a:t>For heteroskedastic models, see </a:t>
-            </a:r>
-            <a:r>
-              <a:rPr lang="en-US" sz="3200" dirty="0" smtClean="0">
-                <a:solidFill>
-                  <a:srgbClr val="FFFF66"/>
-                </a:solidFill>
-                <a:latin typeface="Gill Sans MT" panose="020B0502020104020203" pitchFamily="34" charset="0"/>
-                <a:hlinkClick r:id="rId3"/>
-              </a:rPr>
-              <a:t>https</a:t>
-            </a:r>
-            <a:r>
-              <a:rPr lang="en-US" sz="3200" dirty="0">
-                <a:solidFill>
-                  <a:srgbClr val="FFFF66"/>
-                </a:solidFill>
-                <a:latin typeface="Gill Sans MT" panose="020B0502020104020203" pitchFamily="34" charset="0"/>
-                <a:hlinkClick r:id="rId3"/>
-              </a:rPr>
-              <a:t>://www3.nd.edu/~</a:t>
-            </a:r>
-            <a:r>
-              <a:rPr lang="en-US" sz="3200" dirty="0" smtClean="0">
-                <a:solidFill>
-                  <a:srgbClr val="FFFF66"/>
-                </a:solidFill>
-                <a:latin typeface="Gill Sans MT" panose="020B0502020104020203" pitchFamily="34" charset="0"/>
-                <a:hlinkClick r:id="rId3"/>
-              </a:rPr>
-              <a:t>rwilliam/stats2/l25.pdf</a:t>
-            </a:r>
-            <a:endParaRPr lang="en-US" sz="3200" dirty="0">
-              <a:solidFill>
-                <a:srgbClr val="FFFF66"/>
-              </a:solidFill>
-              <a:latin typeface="Gill Sans MT" panose="020B0502020104020203" pitchFamily="34" charset="0"/>
-            </a:endParaRPr>
-          </a:p>
-          <a:p>
-            <a:endParaRPr lang="en-US" sz="3200" dirty="0" smtClean="0">
+            <a:endParaRPr lang="en-US" sz="2800" dirty="0" smtClean="0">
               <a:solidFill>
                 <a:srgbClr val="FFFF66"/>
               </a:solidFill>
@@ -32028,7 +32013,7 @@
         </p:blipFill>
         <p:spPr bwMode="auto">
           <a:xfrm>
-            <a:off x="5793970" y="923210"/>
+            <a:off x="3103397" y="3657047"/>
             <a:ext cx="3350030" cy="3200953"/>
           </a:xfrm>
           <a:prstGeom prst="rect">
